--- a/MIM-NEN2660/presentaties/MIM-NEN2660 volledige uitwerking.pptx
+++ b/MIM-NEN2660/presentaties/MIM-NEN2660 volledige uitwerking.pptx
@@ -111,6 +111,11 @@
       </a:defRPr>
     </a:lvl9pPr>
   </p:defaultTextStyle>
+  <p:extLst>
+    <p:ext uri="{EFAFB233-063F-42B5-8137-9DF3F51BA10A}">
+      <p15:sldGuideLst xmlns:p15="http://schemas.microsoft.com/office/powerpoint/2012/main"/>
+    </p:ext>
+  </p:extLst>
 </p:presentation>
 </file>
 
@@ -263,7 +268,7 @@
           <a:p>
             <a:fld id="{DCC087FF-BDFB-9843-AE97-3EF4E7A90A78}" type="datetimeFigureOut">
               <a:rPr lang="en-NL" smtClean="0"/>
-              <a:t>17/02/2023</a:t>
+              <a:t>03/15/2023</a:t>
             </a:fld>
             <a:endParaRPr lang="en-NL"/>
           </a:p>
@@ -317,7 +322,7 @@
           <a:p>
             <a:fld id="{946FD551-5772-F34F-93A3-CE684BE62EFE}" type="slidenum">
               <a:rPr lang="en-NL" smtClean="0"/>
-              <a:t>‹#›</a:t>
+              <a:t>‹nr.›</a:t>
             </a:fld>
             <a:endParaRPr lang="en-NL"/>
           </a:p>
@@ -463,7 +468,7 @@
           <a:p>
             <a:fld id="{DCC087FF-BDFB-9843-AE97-3EF4E7A90A78}" type="datetimeFigureOut">
               <a:rPr lang="en-NL" smtClean="0"/>
-              <a:t>17/02/2023</a:t>
+              <a:t>03/15/2023</a:t>
             </a:fld>
             <a:endParaRPr lang="en-NL"/>
           </a:p>
@@ -517,7 +522,7 @@
           <a:p>
             <a:fld id="{946FD551-5772-F34F-93A3-CE684BE62EFE}" type="slidenum">
               <a:rPr lang="en-NL" smtClean="0"/>
-              <a:t>‹#›</a:t>
+              <a:t>‹nr.›</a:t>
             </a:fld>
             <a:endParaRPr lang="en-NL"/>
           </a:p>
@@ -673,7 +678,7 @@
           <a:p>
             <a:fld id="{DCC087FF-BDFB-9843-AE97-3EF4E7A90A78}" type="datetimeFigureOut">
               <a:rPr lang="en-NL" smtClean="0"/>
-              <a:t>17/02/2023</a:t>
+              <a:t>03/15/2023</a:t>
             </a:fld>
             <a:endParaRPr lang="en-NL"/>
           </a:p>
@@ -727,7 +732,7 @@
           <a:p>
             <a:fld id="{946FD551-5772-F34F-93A3-CE684BE62EFE}" type="slidenum">
               <a:rPr lang="en-NL" smtClean="0"/>
-              <a:t>‹#›</a:t>
+              <a:t>‹nr.›</a:t>
             </a:fld>
             <a:endParaRPr lang="en-NL"/>
           </a:p>
@@ -873,7 +878,7 @@
           <a:p>
             <a:fld id="{DCC087FF-BDFB-9843-AE97-3EF4E7A90A78}" type="datetimeFigureOut">
               <a:rPr lang="en-NL" smtClean="0"/>
-              <a:t>17/02/2023</a:t>
+              <a:t>03/15/2023</a:t>
             </a:fld>
             <a:endParaRPr lang="en-NL"/>
           </a:p>
@@ -927,7 +932,7 @@
           <a:p>
             <a:fld id="{946FD551-5772-F34F-93A3-CE684BE62EFE}" type="slidenum">
               <a:rPr lang="en-NL" smtClean="0"/>
-              <a:t>‹#›</a:t>
+              <a:t>‹nr.›</a:t>
             </a:fld>
             <a:endParaRPr lang="en-NL"/>
           </a:p>
@@ -1149,7 +1154,7 @@
           <a:p>
             <a:fld id="{DCC087FF-BDFB-9843-AE97-3EF4E7A90A78}" type="datetimeFigureOut">
               <a:rPr lang="en-NL" smtClean="0"/>
-              <a:t>17/02/2023</a:t>
+              <a:t>03/15/2023</a:t>
             </a:fld>
             <a:endParaRPr lang="en-NL"/>
           </a:p>
@@ -1203,7 +1208,7 @@
           <a:p>
             <a:fld id="{946FD551-5772-F34F-93A3-CE684BE62EFE}" type="slidenum">
               <a:rPr lang="en-NL" smtClean="0"/>
-              <a:t>‹#›</a:t>
+              <a:t>‹nr.›</a:t>
             </a:fld>
             <a:endParaRPr lang="en-NL"/>
           </a:p>
@@ -1417,7 +1422,7 @@
           <a:p>
             <a:fld id="{DCC087FF-BDFB-9843-AE97-3EF4E7A90A78}" type="datetimeFigureOut">
               <a:rPr lang="en-NL" smtClean="0"/>
-              <a:t>17/02/2023</a:t>
+              <a:t>03/15/2023</a:t>
             </a:fld>
             <a:endParaRPr lang="en-NL"/>
           </a:p>
@@ -1471,7 +1476,7 @@
           <a:p>
             <a:fld id="{946FD551-5772-F34F-93A3-CE684BE62EFE}" type="slidenum">
               <a:rPr lang="en-NL" smtClean="0"/>
-              <a:t>‹#›</a:t>
+              <a:t>‹nr.›</a:t>
             </a:fld>
             <a:endParaRPr lang="en-NL"/>
           </a:p>
@@ -1832,7 +1837,7 @@
           <a:p>
             <a:fld id="{DCC087FF-BDFB-9843-AE97-3EF4E7A90A78}" type="datetimeFigureOut">
               <a:rPr lang="en-NL" smtClean="0"/>
-              <a:t>17/02/2023</a:t>
+              <a:t>03/15/2023</a:t>
             </a:fld>
             <a:endParaRPr lang="en-NL"/>
           </a:p>
@@ -1886,7 +1891,7 @@
           <a:p>
             <a:fld id="{946FD551-5772-F34F-93A3-CE684BE62EFE}" type="slidenum">
               <a:rPr lang="en-NL" smtClean="0"/>
-              <a:t>‹#›</a:t>
+              <a:t>‹nr.›</a:t>
             </a:fld>
             <a:endParaRPr lang="en-NL"/>
           </a:p>
@@ -1974,7 +1979,7 @@
           <a:p>
             <a:fld id="{DCC087FF-BDFB-9843-AE97-3EF4E7A90A78}" type="datetimeFigureOut">
               <a:rPr lang="en-NL" smtClean="0"/>
-              <a:t>17/02/2023</a:t>
+              <a:t>03/15/2023</a:t>
             </a:fld>
             <a:endParaRPr lang="en-NL"/>
           </a:p>
@@ -2028,7 +2033,7 @@
           <a:p>
             <a:fld id="{946FD551-5772-F34F-93A3-CE684BE62EFE}" type="slidenum">
               <a:rPr lang="en-NL" smtClean="0"/>
-              <a:t>‹#›</a:t>
+              <a:t>‹nr.›</a:t>
             </a:fld>
             <a:endParaRPr lang="en-NL"/>
           </a:p>
@@ -2087,7 +2092,7 @@
           <a:p>
             <a:fld id="{DCC087FF-BDFB-9843-AE97-3EF4E7A90A78}" type="datetimeFigureOut">
               <a:rPr lang="en-NL" smtClean="0"/>
-              <a:t>17/02/2023</a:t>
+              <a:t>03/15/2023</a:t>
             </a:fld>
             <a:endParaRPr lang="en-NL"/>
           </a:p>
@@ -2141,7 +2146,7 @@
           <a:p>
             <a:fld id="{946FD551-5772-F34F-93A3-CE684BE62EFE}" type="slidenum">
               <a:rPr lang="en-NL" smtClean="0"/>
-              <a:t>‹#›</a:t>
+              <a:t>‹nr.›</a:t>
             </a:fld>
             <a:endParaRPr lang="en-NL"/>
           </a:p>
@@ -2400,7 +2405,7 @@
           <a:p>
             <a:fld id="{DCC087FF-BDFB-9843-AE97-3EF4E7A90A78}" type="datetimeFigureOut">
               <a:rPr lang="en-NL" smtClean="0"/>
-              <a:t>17/02/2023</a:t>
+              <a:t>03/15/2023</a:t>
             </a:fld>
             <a:endParaRPr lang="en-NL"/>
           </a:p>
@@ -2454,7 +2459,7 @@
           <a:p>
             <a:fld id="{946FD551-5772-F34F-93A3-CE684BE62EFE}" type="slidenum">
               <a:rPr lang="en-NL" smtClean="0"/>
-              <a:t>‹#›</a:t>
+              <a:t>‹nr.›</a:t>
             </a:fld>
             <a:endParaRPr lang="en-NL"/>
           </a:p>
@@ -2689,7 +2694,7 @@
           <a:p>
             <a:fld id="{DCC087FF-BDFB-9843-AE97-3EF4E7A90A78}" type="datetimeFigureOut">
               <a:rPr lang="en-NL" smtClean="0"/>
-              <a:t>17/02/2023</a:t>
+              <a:t>03/15/2023</a:t>
             </a:fld>
             <a:endParaRPr lang="en-NL"/>
           </a:p>
@@ -2743,7 +2748,7 @@
           <a:p>
             <a:fld id="{946FD551-5772-F34F-93A3-CE684BE62EFE}" type="slidenum">
               <a:rPr lang="en-NL" smtClean="0"/>
-              <a:t>‹#›</a:t>
+              <a:t>‹nr.›</a:t>
             </a:fld>
             <a:endParaRPr lang="en-NL"/>
           </a:p>
@@ -2932,7 +2937,7 @@
           <a:p>
             <a:fld id="{DCC087FF-BDFB-9843-AE97-3EF4E7A90A78}" type="datetimeFigureOut">
               <a:rPr lang="en-NL" smtClean="0"/>
-              <a:t>17/02/2023</a:t>
+              <a:t>03/15/2023</a:t>
             </a:fld>
             <a:endParaRPr lang="en-NL"/>
           </a:p>
@@ -3022,7 +3027,7 @@
           <a:p>
             <a:fld id="{946FD551-5772-F34F-93A3-CE684BE62EFE}" type="slidenum">
               <a:rPr lang="en-NL" smtClean="0"/>
-              <a:t>‹#›</a:t>
+              <a:t>‹nr.›</a:t>
             </a:fld>
             <a:endParaRPr lang="en-NL"/>
           </a:p>
@@ -5592,6 +5597,36 @@
           </a:p>
         </p:txBody>
       </p:sp>
+      <p:pic>
+        <p:nvPicPr>
+          <p:cNvPr id="14" name="Afbeelding 13">
+            <a:extLst>
+              <a:ext uri="{FF2B5EF4-FFF2-40B4-BE49-F238E27FC236}">
+                <a16:creationId xmlns:a16="http://schemas.microsoft.com/office/drawing/2014/main" id="{8E68637F-44F6-ECB5-3790-822468D19533}"/>
+              </a:ext>
+            </a:extLst>
+          </p:cNvPr>
+          <p:cNvPicPr>
+            <a:picLocks noChangeAspect="1"/>
+          </p:cNvPicPr>
+          <p:nvPr/>
+        </p:nvPicPr>
+        <p:blipFill>
+          <a:blip r:embed="rId2"/>
+          <a:stretch>
+            <a:fillRect/>
+          </a:stretch>
+        </p:blipFill>
+        <p:spPr>
+          <a:xfrm>
+            <a:off x="1985554" y="868500"/>
+            <a:ext cx="9615122" cy="5989499"/>
+          </a:xfrm>
+          <a:prstGeom prst="rect">
+            <a:avLst/>
+          </a:prstGeom>
+        </p:spPr>
+      </p:pic>
     </p:spTree>
     <p:extLst>
       <p:ext uri="{BB962C8B-B14F-4D97-AF65-F5344CB8AC3E}">
